--- a/Slides/Ders 1 XML.pptx
+++ b/Slides/Ders 1 XML.pptx
@@ -215,7 +215,7 @@
           <a:p>
             <a:fld id="{DD4244C5-5D67-C540-97C4-F007CFC432EF}" type="datetimeFigureOut">
               <a:rPr lang="tr-TR" smtClean="0"/>
-              <a:t>9.03.2023</a:t>
+              <a:t>23.02.2024</a:t>
             </a:fld>
             <a:endParaRPr lang="tr-TR"/>
           </a:p>
@@ -614,7 +614,7 @@
           <a:p>
             <a:fld id="{26396F4E-1D0B-3F44-AA0F-A3430AE5742F}" type="datetimeFigureOut">
               <a:rPr lang="tr-TR" smtClean="0"/>
-              <a:t>9.03.2023</a:t>
+              <a:t>23.02.2024</a:t>
             </a:fld>
             <a:endParaRPr lang="tr-TR"/>
           </a:p>
@@ -784,7 +784,7 @@
           <a:p>
             <a:fld id="{26396F4E-1D0B-3F44-AA0F-A3430AE5742F}" type="datetimeFigureOut">
               <a:rPr lang="tr-TR" smtClean="0"/>
-              <a:t>9.03.2023</a:t>
+              <a:t>23.02.2024</a:t>
             </a:fld>
             <a:endParaRPr lang="tr-TR"/>
           </a:p>
@@ -964,7 +964,7 @@
           <a:p>
             <a:fld id="{26396F4E-1D0B-3F44-AA0F-A3430AE5742F}" type="datetimeFigureOut">
               <a:rPr lang="tr-TR" smtClean="0"/>
-              <a:t>9.03.2023</a:t>
+              <a:t>23.02.2024</a:t>
             </a:fld>
             <a:endParaRPr lang="tr-TR"/>
           </a:p>
@@ -1134,7 +1134,7 @@
           <a:p>
             <a:fld id="{26396F4E-1D0B-3F44-AA0F-A3430AE5742F}" type="datetimeFigureOut">
               <a:rPr lang="tr-TR" smtClean="0"/>
-              <a:t>9.03.2023</a:t>
+              <a:t>23.02.2024</a:t>
             </a:fld>
             <a:endParaRPr lang="tr-TR"/>
           </a:p>
@@ -1378,7 +1378,7 @@
           <a:p>
             <a:fld id="{26396F4E-1D0B-3F44-AA0F-A3430AE5742F}" type="datetimeFigureOut">
               <a:rPr lang="tr-TR" smtClean="0"/>
-              <a:t>9.03.2023</a:t>
+              <a:t>23.02.2024</a:t>
             </a:fld>
             <a:endParaRPr lang="tr-TR"/>
           </a:p>
@@ -1610,7 +1610,7 @@
           <a:p>
             <a:fld id="{26396F4E-1D0B-3F44-AA0F-A3430AE5742F}" type="datetimeFigureOut">
               <a:rPr lang="tr-TR" smtClean="0"/>
-              <a:t>9.03.2023</a:t>
+              <a:t>23.02.2024</a:t>
             </a:fld>
             <a:endParaRPr lang="tr-TR"/>
           </a:p>
@@ -1977,7 +1977,7 @@
           <a:p>
             <a:fld id="{26396F4E-1D0B-3F44-AA0F-A3430AE5742F}" type="datetimeFigureOut">
               <a:rPr lang="tr-TR" smtClean="0"/>
-              <a:t>9.03.2023</a:t>
+              <a:t>23.02.2024</a:t>
             </a:fld>
             <a:endParaRPr lang="tr-TR"/>
           </a:p>
@@ -2095,7 +2095,7 @@
           <a:p>
             <a:fld id="{26396F4E-1D0B-3F44-AA0F-A3430AE5742F}" type="datetimeFigureOut">
               <a:rPr lang="tr-TR" smtClean="0"/>
-              <a:t>9.03.2023</a:t>
+              <a:t>23.02.2024</a:t>
             </a:fld>
             <a:endParaRPr lang="tr-TR"/>
           </a:p>
@@ -2190,7 +2190,7 @@
           <a:p>
             <a:fld id="{26396F4E-1D0B-3F44-AA0F-A3430AE5742F}" type="datetimeFigureOut">
               <a:rPr lang="tr-TR" smtClean="0"/>
-              <a:t>9.03.2023</a:t>
+              <a:t>23.02.2024</a:t>
             </a:fld>
             <a:endParaRPr lang="tr-TR"/>
           </a:p>
@@ -2467,7 +2467,7 @@
           <a:p>
             <a:fld id="{26396F4E-1D0B-3F44-AA0F-A3430AE5742F}" type="datetimeFigureOut">
               <a:rPr lang="tr-TR" smtClean="0"/>
-              <a:t>9.03.2023</a:t>
+              <a:t>23.02.2024</a:t>
             </a:fld>
             <a:endParaRPr lang="tr-TR"/>
           </a:p>
@@ -2724,7 +2724,7 @@
           <a:p>
             <a:fld id="{26396F4E-1D0B-3F44-AA0F-A3430AE5742F}" type="datetimeFigureOut">
               <a:rPr lang="tr-TR" smtClean="0"/>
-              <a:t>9.03.2023</a:t>
+              <a:t>23.02.2024</a:t>
             </a:fld>
             <a:endParaRPr lang="tr-TR"/>
           </a:p>
@@ -2937,7 +2937,7 @@
           <a:p>
             <a:fld id="{26396F4E-1D0B-3F44-AA0F-A3430AE5742F}" type="datetimeFigureOut">
               <a:rPr lang="tr-TR" smtClean="0"/>
-              <a:t>9.03.2023</a:t>
+              <a:t>23.02.2024</a:t>
             </a:fld>
             <a:endParaRPr lang="tr-TR"/>
           </a:p>
@@ -3526,7 +3526,7 @@
           <a:p>
             <a:r>
               <a:rPr lang="tr-TR" dirty="0"/>
-              <a:t>Oda: 329</a:t>
+              <a:t>Oda: 335</a:t>
             </a:r>
           </a:p>
         </p:txBody>
